--- a/Lecture/Lecture 28/Lecture 28.pptx
+++ b/Lecture/Lecture 28/Lecture 28.pptx
@@ -8674,8 +8674,8 @@
           <a:noFill/>
         </p:spPr>
       </p:pic>
-      <mc:AlternateContent xmlns:mc="http://schemas.openxmlformats.org/markup-compatibility/2006" xmlns:a14="http://schemas.microsoft.com/office/drawing/2010/main">
-        <mc:Choice Requires="a14">
+      <mc:AlternateContent xmlns:mc="http://schemas.openxmlformats.org/markup-compatibility/2006">
+        <mc:Choice xmlns:a14="http://schemas.microsoft.com/office/drawing/2010/main" Requires="a14">
           <p:sp>
             <p:nvSpPr>
               <p:cNvPr id="7" name="TextBox 6">
@@ -9205,16 +9205,7 @@
                               </a:solidFill>
                               <a:latin typeface="Cambria Math" panose="02040503050406030204" pitchFamily="18" charset="0"/>
                             </a:rPr>
-                            <m:t>1</m:t>
-                          </m:r>
-                          <m:r>
-                            <a:rPr lang="en-US" b="0" i="1" smtClean="0">
-                              <a:solidFill>
-                                <a:srgbClr val="404040"/>
-                              </a:solidFill>
-                              <a:latin typeface="Cambria Math" panose="02040503050406030204" pitchFamily="18" charset="0"/>
-                            </a:rPr>
-                            <m:t>2</m:t>
+                            <m:t>21</m:t>
                           </m:r>
                         </m:sub>
                       </m:sSub>
@@ -9269,7 +9260,7 @@
                               </a:solidFill>
                               <a:latin typeface="Cambria Math" panose="02040503050406030204" pitchFamily="18" charset="0"/>
                             </a:rPr>
-                            <m:t>11</m:t>
+                            <m:t>21</m:t>
                           </m:r>
                         </m:sub>
                       </m:sSub>
@@ -9312,7 +9303,16 @@
                               </a:solidFill>
                               <a:latin typeface="Cambria Math" panose="02040503050406030204" pitchFamily="18" charset="0"/>
                             </a:rPr>
-                            <m:t>12</m:t>
+                            <m:t>2</m:t>
+                          </m:r>
+                          <m:r>
+                            <a:rPr lang="en-US" i="1">
+                              <a:solidFill>
+                                <a:srgbClr val="404040"/>
+                              </a:solidFill>
+                              <a:latin typeface="Cambria Math" panose="02040503050406030204" pitchFamily="18" charset="0"/>
+                            </a:rPr>
+                            <m:t>2</m:t>
                           </m:r>
                         </m:sub>
                       </m:sSub>
@@ -9387,13 +9387,22 @@
                       </m:e>
                       <m:sub>
                         <m:r>
-                          <a:rPr lang="en-US" b="0" i="1" smtClean="0">
+                          <a:rPr lang="en-US" i="1">
                             <a:solidFill>
                               <a:srgbClr val="404040"/>
                             </a:solidFill>
                             <a:latin typeface="Cambria Math" panose="02040503050406030204" pitchFamily="18" charset="0"/>
                           </a:rPr>
-                          <m:t>21</m:t>
+                          <m:t>1</m:t>
+                        </m:r>
+                        <m:r>
+                          <a:rPr lang="en-US" i="1">
+                            <a:solidFill>
+                              <a:srgbClr val="404040"/>
+                            </a:solidFill>
+                            <a:latin typeface="Cambria Math" panose="02040503050406030204" pitchFamily="18" charset="0"/>
+                          </a:rPr>
+                          <m:t>2</m:t>
                         </m:r>
                       </m:sub>
                     </m:sSub>
@@ -9442,13 +9451,13 @@
                       </m:e>
                       <m:sub>
                         <m:r>
-                          <a:rPr lang="en-US" b="0" i="1" smtClean="0">
+                          <a:rPr lang="en-US" i="1">
                             <a:solidFill>
                               <a:srgbClr val="404040"/>
                             </a:solidFill>
                             <a:latin typeface="Cambria Math" panose="02040503050406030204" pitchFamily="18" charset="0"/>
                           </a:rPr>
-                          <m:t>21</m:t>
+                          <m:t>11</m:t>
                         </m:r>
                       </m:sub>
                     </m:sSub>
@@ -9485,22 +9494,13 @@
                       </m:e>
                       <m:sub>
                         <m:r>
-                          <a:rPr lang="en-US" b="0" i="1" smtClean="0">
-                            <a:solidFill>
-                              <a:srgbClr val="404040"/>
-                            </a:solidFill>
-                            <a:latin typeface="Cambria Math" panose="02040503050406030204" pitchFamily="18" charset="0"/>
-                          </a:rPr>
-                          <m:t>2</m:t>
-                        </m:r>
-                        <m:r>
                           <a:rPr lang="en-US" i="1">
                             <a:solidFill>
                               <a:srgbClr val="404040"/>
                             </a:solidFill>
                             <a:latin typeface="Cambria Math" panose="02040503050406030204" pitchFamily="18" charset="0"/>
                           </a:rPr>
-                          <m:t>2</m:t>
+                          <m:t>12</m:t>
                         </m:r>
                       </m:sub>
                     </m:sSub>
@@ -9522,9 +9522,7 @@
                 </a:endParaRPr>
               </a:p>
               <a:p>
-                <a:pPr marL="800100" lvl="1" indent="-342900">
-                  <a:buFont typeface="Arial" panose="020B0604020202020204" pitchFamily="34" charset="0"/>
-                  <a:buChar char="•"/>
+                <a:pPr lvl="1">
                   <a:defRPr/>
                 </a:pPr>
                 <a:endParaRPr lang="en-US" dirty="0">
@@ -9548,7 +9546,7 @@
             </p:txBody>
           </p:sp>
         </mc:Choice>
-        <mc:Fallback xmlns="">
+        <mc:Fallback>
           <p:sp>
             <p:nvSpPr>
               <p:cNvPr id="7" name="TextBox 6">
@@ -19728,10 +19726,10 @@
       </p:sp>
       <p:pic>
         <p:nvPicPr>
-          <p:cNvPr id="11" name="Picture 10">
+          <p:cNvPr id="3" name="Picture 2">
             <a:extLst>
               <a:ext uri="{FF2B5EF4-FFF2-40B4-BE49-F238E27FC236}">
-                <a16:creationId xmlns:a16="http://schemas.microsoft.com/office/drawing/2014/main" id="{52A14337-F5AE-48A2-BB6C-9E478E740ABA}"/>
+                <a16:creationId xmlns:a16="http://schemas.microsoft.com/office/drawing/2014/main" id="{76D329D5-BA48-4EFF-9EB6-0A6CE4221531}"/>
               </a:ext>
             </a:extLst>
           </p:cNvPr>
@@ -19748,8 +19746,8 @@
         </p:blipFill>
         <p:spPr>
           <a:xfrm>
-            <a:off x="3581400" y="2590800"/>
-            <a:ext cx="5486400" cy="1335932"/>
+            <a:off x="3576212" y="2590800"/>
+            <a:ext cx="5491588" cy="1330903"/>
           </a:xfrm>
           <a:prstGeom prst="rect">
             <a:avLst/>
@@ -19777,10 +19775,10 @@
       </p:pic>
       <p:pic>
         <p:nvPicPr>
-          <p:cNvPr id="12" name="Picture 11">
+          <p:cNvPr id="4" name="Picture 3">
             <a:extLst>
               <a:ext uri="{FF2B5EF4-FFF2-40B4-BE49-F238E27FC236}">
-                <a16:creationId xmlns:a16="http://schemas.microsoft.com/office/drawing/2014/main" id="{E7B57780-7854-4EAB-A7F8-81CE51D3AC37}"/>
+                <a16:creationId xmlns:a16="http://schemas.microsoft.com/office/drawing/2014/main" id="{71D79A7F-5493-4308-A7E9-13599DB9393E}"/>
               </a:ext>
             </a:extLst>
           </p:cNvPr>
@@ -19797,8 +19795,8 @@
         </p:blipFill>
         <p:spPr>
           <a:xfrm>
-            <a:off x="3581400" y="4724400"/>
-            <a:ext cx="5486400" cy="1282700"/>
+            <a:off x="3576212" y="4810043"/>
+            <a:ext cx="5491588" cy="1200894"/>
           </a:xfrm>
           <a:prstGeom prst="rect">
             <a:avLst/>
